--- a/svn-training.pptx
+++ b/svn-training.pptx
@@ -109,6 +109,11 @@
       </a:defRPr>
     </a:lvl9pPr>
   </p:defaultTextStyle>
+  <p:extLst>
+    <p:ext uri="{EFAFB233-063F-42B5-8137-9DF3F51BA10A}">
+      <p15:sldGuideLst xmlns:p15="http://schemas.microsoft.com/office/powerpoint/2012/main"/>
+    </p:ext>
+  </p:extLst>
 </p:presentation>
 </file>
 
@@ -337,7 +342,7 @@
             <a:fld id="{5586B75A-687E-405C-8A0B-8D00578BA2C3}" type="datetimeFigureOut">
               <a:rPr lang="en-US" dirty="0"/>
               <a:pPr/>
-              <a:t>6/11/21</a:t>
+              <a:t>6/15/21</a:t>
             </a:fld>
             <a:endParaRPr lang="en-US" dirty="0"/>
           </a:p>
@@ -504,7 +509,7 @@
             <a:fld id="{5586B75A-687E-405C-8A0B-8D00578BA2C3}" type="datetimeFigureOut">
               <a:rPr lang="en-US" dirty="0"/>
               <a:pPr/>
-              <a:t>6/11/21</a:t>
+              <a:t>6/15/21</a:t>
             </a:fld>
             <a:endParaRPr lang="en-US" dirty="0"/>
           </a:p>
@@ -681,7 +686,7 @@
             <a:fld id="{5586B75A-687E-405C-8A0B-8D00578BA2C3}" type="datetimeFigureOut">
               <a:rPr lang="en-US" dirty="0"/>
               <a:pPr/>
-              <a:t>6/11/21</a:t>
+              <a:t>6/15/21</a:t>
             </a:fld>
             <a:endParaRPr lang="en-US" dirty="0"/>
           </a:p>
@@ -848,7 +853,7 @@
             <a:fld id="{5586B75A-687E-405C-8A0B-8D00578BA2C3}" type="datetimeFigureOut">
               <a:rPr lang="en-US" dirty="0"/>
               <a:pPr/>
-              <a:t>6/11/21</a:t>
+              <a:t>6/15/21</a:t>
             </a:fld>
             <a:endParaRPr lang="en-US" dirty="0"/>
           </a:p>
@@ -1103,7 +1108,7 @@
             <a:fld id="{5586B75A-687E-405C-8A0B-8D00578BA2C3}" type="datetimeFigureOut">
               <a:rPr lang="en-US" dirty="0"/>
               <a:pPr/>
-              <a:t>6/11/21</a:t>
+              <a:t>6/15/21</a:t>
             </a:fld>
             <a:endParaRPr lang="en-US" dirty="0"/>
           </a:p>
@@ -1388,7 +1393,7 @@
             <a:fld id="{5586B75A-687E-405C-8A0B-8D00578BA2C3}" type="datetimeFigureOut">
               <a:rPr lang="en-US" dirty="0"/>
               <a:pPr/>
-              <a:t>6/11/21</a:t>
+              <a:t>6/15/21</a:t>
             </a:fld>
             <a:endParaRPr lang="en-US" dirty="0"/>
           </a:p>
@@ -1827,7 +1832,7 @@
             <a:fld id="{5586B75A-687E-405C-8A0B-8D00578BA2C3}" type="datetimeFigureOut">
               <a:rPr lang="en-US" dirty="0"/>
               <a:pPr/>
-              <a:t>6/11/21</a:t>
+              <a:t>6/15/21</a:t>
             </a:fld>
             <a:endParaRPr lang="en-US" dirty="0"/>
           </a:p>
@@ -1942,7 +1947,7 @@
             <a:fld id="{5586B75A-687E-405C-8A0B-8D00578BA2C3}" type="datetimeFigureOut">
               <a:rPr lang="en-US" dirty="0"/>
               <a:pPr/>
-              <a:t>6/11/21</a:t>
+              <a:t>6/15/21</a:t>
             </a:fld>
             <a:endParaRPr lang="en-US" dirty="0"/>
           </a:p>
@@ -2034,7 +2039,7 @@
             <a:fld id="{5586B75A-687E-405C-8A0B-8D00578BA2C3}" type="datetimeFigureOut">
               <a:rPr lang="en-US" dirty="0"/>
               <a:pPr/>
-              <a:t>6/11/21</a:t>
+              <a:t>6/15/21</a:t>
             </a:fld>
             <a:endParaRPr lang="en-US" dirty="0"/>
           </a:p>
@@ -2319,7 +2324,7 @@
             <a:fld id="{5586B75A-687E-405C-8A0B-8D00578BA2C3}" type="datetimeFigureOut">
               <a:rPr lang="en-US" dirty="0"/>
               <a:pPr/>
-              <a:t>6/11/21</a:t>
+              <a:t>6/15/21</a:t>
             </a:fld>
             <a:endParaRPr lang="en-US" dirty="0"/>
           </a:p>
@@ -2589,7 +2594,7 @@
             <a:fld id="{5586B75A-687E-405C-8A0B-8D00578BA2C3}" type="datetimeFigureOut">
               <a:rPr lang="en-US" dirty="0"/>
               <a:pPr/>
-              <a:t>6/11/21</a:t>
+              <a:t>6/15/21</a:t>
             </a:fld>
             <a:endParaRPr lang="en-US" dirty="0"/>
           </a:p>
@@ -2883,7 +2888,7 @@
             <a:fld id="{5586B75A-687E-405C-8A0B-8D00578BA2C3}" type="datetimeFigureOut">
               <a:rPr lang="en-US" dirty="0"/>
               <a:pPr/>
-              <a:t>6/11/21</a:t>
+              <a:t>6/15/21</a:t>
             </a:fld>
             <a:endParaRPr lang="en-US" dirty="0"/>
           </a:p>
@@ -3695,281 +3700,61 @@
           <a:lstStyle/>
           <a:p>
             <a:r>
-              <a:rPr lang="en-US" dirty="0" err="1"/>
-              <a:t>Keuntungan</a:t>
-            </a:r>
-            <a:r>
               <a:rPr lang="en-US" dirty="0"/>
-              <a:t> </a:t>
-            </a:r>
-            <a:r>
-              <a:rPr lang="en-US" dirty="0" err="1"/>
-              <a:t>Menggunakan</a:t>
-            </a:r>
-            <a:r>
-              <a:rPr lang="en-US" dirty="0"/>
-              <a:t> Subversion</a:t>
-            </a:r>
-          </a:p>
-        </p:txBody>
-      </p:sp>
-      <p:graphicFrame>
-        <p:nvGraphicFramePr>
-          <p:cNvPr id="6" name="Table 6">
+              <a:t>Installation</a:t>
+            </a:r>
+          </a:p>
+        </p:txBody>
+      </p:sp>
+      <p:sp>
+        <p:nvSpPr>
+          <p:cNvPr id="4" name="Content Placeholder 3">
             <a:extLst>
               <a:ext uri="{FF2B5EF4-FFF2-40B4-BE49-F238E27FC236}">
-                <a16:creationId xmlns:a16="http://schemas.microsoft.com/office/drawing/2014/main" id="{B2FF0107-178F-CA46-B7E4-668B9ED44512}"/>
+                <a16:creationId xmlns:a16="http://schemas.microsoft.com/office/drawing/2014/main" id="{D6F98419-5760-444A-A129-BC120DD10B03}"/>
               </a:ext>
             </a:extLst>
           </p:cNvPr>
-          <p:cNvGraphicFramePr>
-            <a:graphicFrameLocks noGrp="1"/>
-          </p:cNvGraphicFramePr>
+          <p:cNvSpPr>
+            <a:spLocks noGrp="1"/>
+          </p:cNvSpPr>
           <p:nvPr>
             <p:ph idx="1"/>
-            <p:extLst>
-              <p:ext uri="{D42A27DB-BD31-4B8C-83A1-F6EECF244321}">
-                <p14:modId xmlns:p14="http://schemas.microsoft.com/office/powerpoint/2010/main" val="2826699127"/>
-              </p:ext>
-            </p:extLst>
-          </p:nvPr>
-        </p:nvGraphicFramePr>
-        <p:xfrm>
-          <a:off x="3868738" y="863600"/>
-          <a:ext cx="7315200" cy="5209656"/>
-        </p:xfrm>
-        <a:graphic>
-          <a:graphicData uri="http://schemas.openxmlformats.org/drawingml/2006/table">
-            <a:tbl>
-              <a:tblPr firstRow="1" bandRow="1">
-                <a:tableStyleId>{5C22544A-7EE6-4342-B048-85BDC9FD1C3A}</a:tableStyleId>
-              </a:tblPr>
-              <a:tblGrid>
-                <a:gridCol w="7315200">
-                  <a:extLst>
-                    <a:ext uri="{9D8B030D-6E8A-4147-A177-3AD203B41FA5}">
-                      <a16:colId xmlns:a16="http://schemas.microsoft.com/office/drawing/2014/main" val="854601286"/>
-                    </a:ext>
-                  </a:extLst>
-                </a:gridCol>
-              </a:tblGrid>
-              <a:tr h="1302414">
-                <a:tc>
-                  <a:txBody>
-                    <a:bodyPr/>
-                    <a:lstStyle/>
-                    <a:p>
-                      <a:r>
-                        <a:rPr lang="en-US" dirty="0" err="1"/>
-                        <a:t>Dapat</a:t>
-                      </a:r>
-                      <a:r>
-                        <a:rPr lang="en-US" dirty="0"/>
-                        <a:t> </a:t>
-                      </a:r>
-                      <a:r>
-                        <a:rPr lang="en-US" dirty="0" err="1"/>
-                        <a:t>menelusuri</a:t>
-                      </a:r>
-                      <a:r>
-                        <a:rPr lang="en-US" dirty="0"/>
-                        <a:t> </a:t>
-                      </a:r>
-                      <a:r>
-                        <a:rPr lang="en-US" dirty="0" err="1"/>
-                        <a:t>perubahan</a:t>
-                      </a:r>
-                      <a:r>
-                        <a:rPr lang="en-US" dirty="0"/>
-                        <a:t> yang </a:t>
-                      </a:r>
-                      <a:r>
-                        <a:rPr lang="en-US" dirty="0" err="1"/>
-                        <a:t>terjadi</a:t>
-                      </a:r>
-                      <a:r>
-                        <a:rPr lang="en-US" dirty="0"/>
-                        <a:t> pada file</a:t>
-                      </a:r>
-                    </a:p>
-                  </a:txBody>
-                  <a:tcPr anchor="ctr"/>
-                </a:tc>
-                <a:extLst>
-                  <a:ext uri="{0D108BD9-81ED-4DB2-BD59-A6C34878D82A}">
-                    <a16:rowId xmlns:a16="http://schemas.microsoft.com/office/drawing/2014/main" val="3240841853"/>
-                  </a:ext>
-                </a:extLst>
-              </a:tr>
-              <a:tr h="1302414">
-                <a:tc>
-                  <a:txBody>
-                    <a:bodyPr/>
-                    <a:lstStyle/>
-                    <a:p>
-                      <a:r>
-                        <a:rPr lang="en-US" dirty="0" err="1"/>
-                        <a:t>Memungkinkan</a:t>
-                      </a:r>
-                      <a:r>
-                        <a:rPr lang="en-US" dirty="0"/>
-                        <a:t> </a:t>
-                      </a:r>
-                      <a:r>
-                        <a:rPr lang="en-US" dirty="0" err="1"/>
-                        <a:t>kita</a:t>
-                      </a:r>
-                      <a:r>
-                        <a:rPr lang="en-US" dirty="0"/>
-                        <a:t> </a:t>
-                      </a:r>
-                      <a:r>
-                        <a:rPr lang="en-US" dirty="0" err="1"/>
-                        <a:t>berkerja</a:t>
-                      </a:r>
-                      <a:r>
-                        <a:rPr lang="en-US" dirty="0"/>
-                        <a:t>/ </a:t>
-                      </a:r>
-                      <a:r>
-                        <a:rPr lang="en-US" dirty="0" err="1"/>
-                        <a:t>berkolaborasi</a:t>
-                      </a:r>
-                      <a:r>
-                        <a:rPr lang="en-US" dirty="0"/>
-                        <a:t> </a:t>
-                      </a:r>
-                      <a:r>
-                        <a:rPr lang="en-US" dirty="0" err="1"/>
-                        <a:t>dengan</a:t>
-                      </a:r>
-                      <a:r>
-                        <a:rPr lang="en-US" dirty="0"/>
-                        <a:t> developer lain</a:t>
-                      </a:r>
-                    </a:p>
-                  </a:txBody>
-                  <a:tcPr anchor="ctr"/>
-                </a:tc>
-                <a:extLst>
-                  <a:ext uri="{0D108BD9-81ED-4DB2-BD59-A6C34878D82A}">
-                    <a16:rowId xmlns:a16="http://schemas.microsoft.com/office/drawing/2014/main" val="977934626"/>
-                  </a:ext>
-                </a:extLst>
-              </a:tr>
-              <a:tr h="1302414">
-                <a:tc>
-                  <a:txBody>
-                    <a:bodyPr/>
-                    <a:lstStyle/>
-                    <a:p>
-                      <a:r>
-                        <a:rPr lang="en-US" dirty="0" err="1"/>
-                        <a:t>Terdapat</a:t>
-                      </a:r>
-                      <a:r>
-                        <a:rPr lang="en-US" dirty="0"/>
-                        <a:t> </a:t>
-                      </a:r>
-                      <a:r>
-                        <a:rPr lang="en-US" dirty="0" err="1"/>
-                        <a:t>fitur</a:t>
-                      </a:r>
-                      <a:r>
-                        <a:rPr lang="en-US" dirty="0"/>
-                        <a:t> branch dan merging</a:t>
-                      </a:r>
-                    </a:p>
-                  </a:txBody>
-                  <a:tcPr anchor="ctr"/>
-                </a:tc>
-                <a:extLst>
-                  <a:ext uri="{0D108BD9-81ED-4DB2-BD59-A6C34878D82A}">
-                    <a16:rowId xmlns:a16="http://schemas.microsoft.com/office/drawing/2014/main" val="3479710867"/>
-                  </a:ext>
-                </a:extLst>
-              </a:tr>
-              <a:tr h="1302414">
-                <a:tc>
-                  <a:txBody>
-                    <a:bodyPr/>
-                    <a:lstStyle/>
-                    <a:p>
-                      <a:r>
-                        <a:rPr lang="en-US" dirty="0" err="1"/>
-                        <a:t>Memungkinkan</a:t>
-                      </a:r>
-                      <a:r>
-                        <a:rPr lang="en-US" dirty="0"/>
-                        <a:t> </a:t>
-                      </a:r>
-                      <a:r>
-                        <a:rPr lang="en-US" dirty="0" err="1"/>
-                        <a:t>kita</a:t>
-                      </a:r>
-                      <a:r>
-                        <a:rPr lang="en-US" dirty="0"/>
-                        <a:t> </a:t>
-                      </a:r>
-                      <a:r>
-                        <a:rPr lang="en-US" dirty="0" err="1"/>
-                        <a:t>untuk</a:t>
-                      </a:r>
-                      <a:r>
-                        <a:rPr lang="en-US" dirty="0"/>
-                        <a:t> </a:t>
-                      </a:r>
-                      <a:r>
-                        <a:rPr lang="en-US" dirty="0" err="1"/>
-                        <a:t>kembali</a:t>
-                      </a:r>
-                      <a:r>
-                        <a:rPr lang="en-US" dirty="0"/>
-                        <a:t> </a:t>
-                      </a:r>
-                      <a:r>
-                        <a:rPr lang="en-US" dirty="0" err="1"/>
-                        <a:t>ke</a:t>
-                      </a:r>
-                      <a:r>
-                        <a:rPr lang="en-US" dirty="0"/>
-                        <a:t> </a:t>
-                      </a:r>
-                      <a:r>
-                        <a:rPr lang="en-US" dirty="0" err="1"/>
-                        <a:t>keadaan</a:t>
-                      </a:r>
-                      <a:r>
-                        <a:rPr lang="en-US" dirty="0"/>
-                        <a:t> </a:t>
-                      </a:r>
-                      <a:r>
-                        <a:rPr lang="en-US" dirty="0" err="1"/>
-                        <a:t>sebelum</a:t>
-                      </a:r>
-                      <a:r>
-                        <a:rPr lang="en-US" dirty="0"/>
-                        <a:t> </a:t>
-                      </a:r>
-                      <a:r>
-                        <a:rPr lang="en-US" dirty="0" err="1"/>
-                        <a:t>perubahan</a:t>
-                      </a:r>
-                      <a:endParaRPr lang="en-US" dirty="0"/>
-                    </a:p>
-                  </a:txBody>
-                  <a:tcPr anchor="ctr"/>
-                </a:tc>
-                <a:extLst>
-                  <a:ext uri="{0D108BD9-81ED-4DB2-BD59-A6C34878D82A}">
-                    <a16:rowId xmlns:a16="http://schemas.microsoft.com/office/drawing/2014/main" val="1639932675"/>
-                  </a:ext>
-                </a:extLst>
-              </a:tr>
-            </a:tbl>
-          </a:graphicData>
-        </a:graphic>
-      </p:graphicFrame>
+          </p:nvPr>
+        </p:nvSpPr>
+        <p:spPr/>
+        <p:txBody>
+          <a:bodyPr/>
+          <a:lstStyle/>
+          <a:p>
+            <a:r>
+              <a:rPr lang="en-US" dirty="0"/>
+              <a:t>https://</a:t>
+            </a:r>
+            <a:r>
+              <a:rPr lang="en-US" dirty="0" err="1"/>
+              <a:t>github.com</a:t>
+            </a:r>
+            <a:r>
+              <a:rPr lang="en-US" dirty="0"/>
+              <a:t>/</a:t>
+            </a:r>
+            <a:r>
+              <a:rPr lang="en-US" dirty="0" err="1"/>
+              <a:t>beruang</a:t>
+            </a:r>
+            <a:r>
+              <a:rPr lang="en-US" dirty="0"/>
+              <a:t>/</a:t>
+            </a:r>
+            <a:r>
+              <a:rPr lang="en-US" dirty="0" err="1"/>
+              <a:t>svn_training</a:t>
+            </a:r>
+            <a:endParaRPr lang="en-US" dirty="0"/>
+          </a:p>
+        </p:txBody>
+      </p:sp>
     </p:spTree>
     <p:extLst>
       <p:ext uri="{BB962C8B-B14F-4D97-AF65-F5344CB8AC3E}">
